--- a/fsa_0829.pptx
+++ b/fsa_0829.pptx
@@ -247,7 +247,7 @@
           <a:p>
             <a:fld id="{1AE21E1C-C01A-6346-83A7-0C1D21DCC58E}" type="datetimeFigureOut">
               <a:rPr lang="en-US" smtClean="0"/>
-              <a:t>8/28/18</a:t>
+              <a:t>8/31/2018</a:t>
             </a:fld>
             <a:endParaRPr lang="en-US"/>
           </a:p>
@@ -560,8 +560,17 @@
           <a:p>
             <a:r>
               <a:rPr lang="en-US" dirty="0"/>
-              <a:t>Add compositional. Talk about bridge cases</a:t>
-            </a:r>
+              <a:t>POS tagging: part of speech tagging</a:t>
+            </a:r>
+          </a:p>
+          <a:p>
+            <a:r>
+              <a:rPr lang="en-US" dirty="0"/>
+              <a:t>SRL: sematic role labeling</a:t>
+            </a:r>
+          </a:p>
+          <a:p>
+            <a:endParaRPr lang="en-US" dirty="0"/>
           </a:p>
         </p:txBody>
       </p:sp>
@@ -572,7 +581,7 @@
             <a:spLocks noGrp="1"/>
           </p:cNvSpPr>
           <p:nvPr>
-            <p:ph type="sldNum" sz="quarter" idx="5"/>
+            <p:ph type="sldNum" sz="quarter" idx="10"/>
           </p:nvPr>
         </p:nvSpPr>
         <p:spPr/>
@@ -582,7 +591,7 @@
           <a:p>
             <a:fld id="{0A611129-E28D-8147-9859-4F6069E871EE}" type="slidenum">
               <a:rPr lang="en-US" smtClean="0"/>
-              <a:t>6</a:t>
+              <a:t>3</a:t>
             </a:fld>
             <a:endParaRPr lang="en-US"/>
           </a:p>
@@ -591,7 +600,7 @@
     </p:spTree>
     <p:extLst>
       <p:ext uri="{BB962C8B-B14F-4D97-AF65-F5344CB8AC3E}">
-        <p14:creationId xmlns:p14="http://schemas.microsoft.com/office/powerpoint/2010/main" val="3862307449"/>
+        <p14:creationId xmlns:p14="http://schemas.microsoft.com/office/powerpoint/2010/main" val="169392129"/>
       </p:ext>
     </p:extLst>
   </p:cSld>
@@ -647,6 +656,93 @@
           <a:p>
             <a:r>
               <a:rPr lang="en-US" dirty="0"/>
+              <a:t>Add compositional. Talk about bridge cases</a:t>
+            </a:r>
+          </a:p>
+        </p:txBody>
+      </p:sp>
+      <p:sp>
+        <p:nvSpPr>
+          <p:cNvPr id="4" name="Slide Number Placeholder 3"/>
+          <p:cNvSpPr>
+            <a:spLocks noGrp="1"/>
+          </p:cNvSpPr>
+          <p:nvPr>
+            <p:ph type="sldNum" sz="quarter" idx="5"/>
+          </p:nvPr>
+        </p:nvSpPr>
+        <p:spPr/>
+        <p:txBody>
+          <a:bodyPr/>
+          <a:lstStyle/>
+          <a:p>
+            <a:fld id="{0A611129-E28D-8147-9859-4F6069E871EE}" type="slidenum">
+              <a:rPr lang="en-US" smtClean="0"/>
+              <a:t>6</a:t>
+            </a:fld>
+            <a:endParaRPr lang="en-US"/>
+          </a:p>
+        </p:txBody>
+      </p:sp>
+    </p:spTree>
+    <p:extLst>
+      <p:ext uri="{BB962C8B-B14F-4D97-AF65-F5344CB8AC3E}">
+        <p14:creationId xmlns:p14="http://schemas.microsoft.com/office/powerpoint/2010/main" val="3862307449"/>
+      </p:ext>
+    </p:extLst>
+  </p:cSld>
+  <p:clrMapOvr>
+    <a:masterClrMapping/>
+  </p:clrMapOvr>
+</p:notes>
+</file>
+
+<file path=ppt/notesSlides/notesSlide3.xml><?xml version="1.0" encoding="utf-8"?>
+<p:notes xmlns:a="http://schemas.openxmlformats.org/drawingml/2006/main" xmlns:r="http://schemas.openxmlformats.org/officeDocument/2006/relationships" xmlns:p="http://schemas.openxmlformats.org/presentationml/2006/main">
+  <p:cSld>
+    <p:spTree>
+      <p:nvGrpSpPr>
+        <p:cNvPr id="1" name=""/>
+        <p:cNvGrpSpPr/>
+        <p:nvPr/>
+      </p:nvGrpSpPr>
+      <p:grpSpPr>
+        <a:xfrm>
+          <a:off x="0" y="0"/>
+          <a:ext cx="0" cy="0"/>
+          <a:chOff x="0" y="0"/>
+          <a:chExt cx="0" cy="0"/>
+        </a:xfrm>
+      </p:grpSpPr>
+      <p:sp>
+        <p:nvSpPr>
+          <p:cNvPr id="2" name="Slide Image Placeholder 1"/>
+          <p:cNvSpPr>
+            <a:spLocks noGrp="1" noRot="1" noChangeAspect="1"/>
+          </p:cNvSpPr>
+          <p:nvPr>
+            <p:ph type="sldImg"/>
+          </p:nvPr>
+        </p:nvSpPr>
+        <p:spPr/>
+      </p:sp>
+      <p:sp>
+        <p:nvSpPr>
+          <p:cNvPr id="3" name="Notes Placeholder 2"/>
+          <p:cNvSpPr>
+            <a:spLocks noGrp="1"/>
+          </p:cNvSpPr>
+          <p:nvPr>
+            <p:ph type="body" idx="1"/>
+          </p:nvPr>
+        </p:nvSpPr>
+        <p:spPr/>
+        <p:txBody>
+          <a:bodyPr/>
+          <a:lstStyle/>
+          <a:p>
+            <a:r>
+              <a:rPr lang="en-US" dirty="0"/>
               <a:t>Example: staplers: root is staple, derivational affix is –</a:t>
             </a:r>
             <a:r>
@@ -696,7 +792,7 @@
 </p:notes>
 </file>
 
-<file path=ppt/notesSlides/notesSlide3.xml><?xml version="1.0" encoding="utf-8"?>
+<file path=ppt/notesSlides/notesSlide4.xml><?xml version="1.0" encoding="utf-8"?>
 <p:notes xmlns:a="http://schemas.openxmlformats.org/drawingml/2006/main" xmlns:r="http://schemas.openxmlformats.org/officeDocument/2006/relationships" xmlns:p="http://schemas.openxmlformats.org/presentationml/2006/main">
   <p:cSld>
     <p:spTree>
@@ -920,7 +1016,7 @@
           <a:p>
             <a:fld id="{D8CA9957-3F9D-C341-B2AD-DEE308582882}" type="datetimeFigureOut">
               <a:rPr lang="en-US" smtClean="0"/>
-              <a:t>8/28/18</a:t>
+              <a:t>8/31/2018</a:t>
             </a:fld>
             <a:endParaRPr lang="en-US"/>
           </a:p>
@@ -1088,7 +1184,7 @@
           <a:p>
             <a:fld id="{D8CA9957-3F9D-C341-B2AD-DEE308582882}" type="datetimeFigureOut">
               <a:rPr lang="en-US" smtClean="0"/>
-              <a:t>8/28/18</a:t>
+              <a:t>8/31/2018</a:t>
             </a:fld>
             <a:endParaRPr lang="en-US"/>
           </a:p>
@@ -1266,7 +1362,7 @@
           <a:p>
             <a:fld id="{D8CA9957-3F9D-C341-B2AD-DEE308582882}" type="datetimeFigureOut">
               <a:rPr lang="en-US" smtClean="0"/>
-              <a:t>8/28/18</a:t>
+              <a:t>8/31/2018</a:t>
             </a:fld>
             <a:endParaRPr lang="en-US"/>
           </a:p>
@@ -1434,7 +1530,7 @@
           <a:p>
             <a:fld id="{D8CA9957-3F9D-C341-B2AD-DEE308582882}" type="datetimeFigureOut">
               <a:rPr lang="en-US" smtClean="0"/>
-              <a:t>8/28/18</a:t>
+              <a:t>8/31/2018</a:t>
             </a:fld>
             <a:endParaRPr lang="en-US"/>
           </a:p>
@@ -1679,7 +1775,7 @@
           <a:p>
             <a:fld id="{D8CA9957-3F9D-C341-B2AD-DEE308582882}" type="datetimeFigureOut">
               <a:rPr lang="en-US" smtClean="0"/>
-              <a:t>8/28/18</a:t>
+              <a:t>8/31/2018</a:t>
             </a:fld>
             <a:endParaRPr lang="en-US"/>
           </a:p>
@@ -1908,7 +2004,7 @@
           <a:p>
             <a:fld id="{D8CA9957-3F9D-C341-B2AD-DEE308582882}" type="datetimeFigureOut">
               <a:rPr lang="en-US" smtClean="0"/>
-              <a:t>8/28/18</a:t>
+              <a:t>8/31/2018</a:t>
             </a:fld>
             <a:endParaRPr lang="en-US"/>
           </a:p>
@@ -2272,7 +2368,7 @@
           <a:p>
             <a:fld id="{D8CA9957-3F9D-C341-B2AD-DEE308582882}" type="datetimeFigureOut">
               <a:rPr lang="en-US" smtClean="0"/>
-              <a:t>8/28/18</a:t>
+              <a:t>8/31/2018</a:t>
             </a:fld>
             <a:endParaRPr lang="en-US"/>
           </a:p>
@@ -2389,7 +2485,7 @@
           <a:p>
             <a:fld id="{D8CA9957-3F9D-C341-B2AD-DEE308582882}" type="datetimeFigureOut">
               <a:rPr lang="en-US" smtClean="0"/>
-              <a:t>8/28/18</a:t>
+              <a:t>8/31/2018</a:t>
             </a:fld>
             <a:endParaRPr lang="en-US"/>
           </a:p>
@@ -2484,7 +2580,7 @@
           <a:p>
             <a:fld id="{D8CA9957-3F9D-C341-B2AD-DEE308582882}" type="datetimeFigureOut">
               <a:rPr lang="en-US" smtClean="0"/>
-              <a:t>8/28/18</a:t>
+              <a:t>8/31/2018</a:t>
             </a:fld>
             <a:endParaRPr lang="en-US"/>
           </a:p>
@@ -2759,7 +2855,7 @@
           <a:p>
             <a:fld id="{D8CA9957-3F9D-C341-B2AD-DEE308582882}" type="datetimeFigureOut">
               <a:rPr lang="en-US" smtClean="0"/>
-              <a:t>8/28/18</a:t>
+              <a:t>8/31/2018</a:t>
             </a:fld>
             <a:endParaRPr lang="en-US"/>
           </a:p>
@@ -3011,7 +3107,7 @@
           <a:p>
             <a:fld id="{D8CA9957-3F9D-C341-B2AD-DEE308582882}" type="datetimeFigureOut">
               <a:rPr lang="en-US" smtClean="0"/>
-              <a:t>8/28/18</a:t>
+              <a:t>8/31/2018</a:t>
             </a:fld>
             <a:endParaRPr lang="en-US"/>
           </a:p>
@@ -3222,7 +3318,7 @@
           <a:p>
             <a:fld id="{D8CA9957-3F9D-C341-B2AD-DEE308582882}" type="datetimeFigureOut">
               <a:rPr lang="en-US" smtClean="0"/>
-              <a:t>8/28/18</a:t>
+              <a:t>8/31/2018</a:t>
             </a:fld>
             <a:endParaRPr lang="en-US"/>
           </a:p>
@@ -7518,7 +7614,7 @@
           <p:nvPr/>
         </p:nvPicPr>
         <p:blipFill>
-          <a:blip r:embed="rId2"/>
+          <a:blip r:embed="rId3"/>
           <a:stretch>
             <a:fillRect/>
           </a:stretch>

--- a/fsa_0829.pptx
+++ b/fsa_0829.pptx
@@ -247,7 +247,7 @@
           <a:p>
             <a:fld id="{1AE21E1C-C01A-6346-83A7-0C1D21DCC58E}" type="datetimeFigureOut">
               <a:rPr lang="en-US" smtClean="0"/>
-              <a:t>8/31/2018</a:t>
+              <a:t>10/1/18</a:t>
             </a:fld>
             <a:endParaRPr lang="en-US"/>
           </a:p>
@@ -1016,7 +1016,7 @@
           <a:p>
             <a:fld id="{D8CA9957-3F9D-C341-B2AD-DEE308582882}" type="datetimeFigureOut">
               <a:rPr lang="en-US" smtClean="0"/>
-              <a:t>8/31/2018</a:t>
+              <a:t>10/1/18</a:t>
             </a:fld>
             <a:endParaRPr lang="en-US"/>
           </a:p>
@@ -1184,7 +1184,7 @@
           <a:p>
             <a:fld id="{D8CA9957-3F9D-C341-B2AD-DEE308582882}" type="datetimeFigureOut">
               <a:rPr lang="en-US" smtClean="0"/>
-              <a:t>8/31/2018</a:t>
+              <a:t>10/1/18</a:t>
             </a:fld>
             <a:endParaRPr lang="en-US"/>
           </a:p>
@@ -1362,7 +1362,7 @@
           <a:p>
             <a:fld id="{D8CA9957-3F9D-C341-B2AD-DEE308582882}" type="datetimeFigureOut">
               <a:rPr lang="en-US" smtClean="0"/>
-              <a:t>8/31/2018</a:t>
+              <a:t>10/1/18</a:t>
             </a:fld>
             <a:endParaRPr lang="en-US"/>
           </a:p>
@@ -1530,7 +1530,7 @@
           <a:p>
             <a:fld id="{D8CA9957-3F9D-C341-B2AD-DEE308582882}" type="datetimeFigureOut">
               <a:rPr lang="en-US" smtClean="0"/>
-              <a:t>8/31/2018</a:t>
+              <a:t>10/1/18</a:t>
             </a:fld>
             <a:endParaRPr lang="en-US"/>
           </a:p>
@@ -1775,7 +1775,7 @@
           <a:p>
             <a:fld id="{D8CA9957-3F9D-C341-B2AD-DEE308582882}" type="datetimeFigureOut">
               <a:rPr lang="en-US" smtClean="0"/>
-              <a:t>8/31/2018</a:t>
+              <a:t>10/1/18</a:t>
             </a:fld>
             <a:endParaRPr lang="en-US"/>
           </a:p>
@@ -2004,7 +2004,7 @@
           <a:p>
             <a:fld id="{D8CA9957-3F9D-C341-B2AD-DEE308582882}" type="datetimeFigureOut">
               <a:rPr lang="en-US" smtClean="0"/>
-              <a:t>8/31/2018</a:t>
+              <a:t>10/1/18</a:t>
             </a:fld>
             <a:endParaRPr lang="en-US"/>
           </a:p>
@@ -2368,7 +2368,7 @@
           <a:p>
             <a:fld id="{D8CA9957-3F9D-C341-B2AD-DEE308582882}" type="datetimeFigureOut">
               <a:rPr lang="en-US" smtClean="0"/>
-              <a:t>8/31/2018</a:t>
+              <a:t>10/1/18</a:t>
             </a:fld>
             <a:endParaRPr lang="en-US"/>
           </a:p>
@@ -2485,7 +2485,7 @@
           <a:p>
             <a:fld id="{D8CA9957-3F9D-C341-B2AD-DEE308582882}" type="datetimeFigureOut">
               <a:rPr lang="en-US" smtClean="0"/>
-              <a:t>8/31/2018</a:t>
+              <a:t>10/1/18</a:t>
             </a:fld>
             <a:endParaRPr lang="en-US"/>
           </a:p>
@@ -2580,7 +2580,7 @@
           <a:p>
             <a:fld id="{D8CA9957-3F9D-C341-B2AD-DEE308582882}" type="datetimeFigureOut">
               <a:rPr lang="en-US" smtClean="0"/>
-              <a:t>8/31/2018</a:t>
+              <a:t>10/1/18</a:t>
             </a:fld>
             <a:endParaRPr lang="en-US"/>
           </a:p>
@@ -2855,7 +2855,7 @@
           <a:p>
             <a:fld id="{D8CA9957-3F9D-C341-B2AD-DEE308582882}" type="datetimeFigureOut">
               <a:rPr lang="en-US" smtClean="0"/>
-              <a:t>8/31/2018</a:t>
+              <a:t>10/1/18</a:t>
             </a:fld>
             <a:endParaRPr lang="en-US"/>
           </a:p>
@@ -3107,7 +3107,7 @@
           <a:p>
             <a:fld id="{D8CA9957-3F9D-C341-B2AD-DEE308582882}" type="datetimeFigureOut">
               <a:rPr lang="en-US" smtClean="0"/>
-              <a:t>8/31/2018</a:t>
+              <a:t>10/1/18</a:t>
             </a:fld>
             <a:endParaRPr lang="en-US"/>
           </a:p>
@@ -3318,7 +3318,7 @@
           <a:p>
             <a:fld id="{D8CA9957-3F9D-C341-B2AD-DEE308582882}" type="datetimeFigureOut">
               <a:rPr lang="en-US" smtClean="0"/>
-              <a:t>8/31/2018</a:t>
+              <a:t>10/1/18</a:t>
             </a:fld>
             <a:endParaRPr lang="en-US"/>
           </a:p>
